--- a/3d_dynamic/presentation_dynamic.pptx
+++ b/3d_dynamic/presentation_dynamic.pptx
@@ -5,7 +5,7 @@
     <p:sldMasterId id="2147483648" r:id="rId1"/>
   </p:sldMasterIdLst>
   <p:notesMasterIdLst>
-    <p:notesMasterId r:id="rId7"/>
+    <p:notesMasterId r:id="rId9"/>
   </p:notesMasterIdLst>
   <p:sldIdLst>
     <p:sldId id="257" r:id="rId2"/>
@@ -13,14 +13,16 @@
     <p:sldId id="262" r:id="rId4"/>
     <p:sldId id="270" r:id="rId5"/>
     <p:sldId id="267" r:id="rId6"/>
+    <p:sldId id="274" r:id="rId7"/>
+    <p:sldId id="275" r:id="rId8"/>
   </p:sldIdLst>
   <p:sldSz cx="9144000" cy="5143500" type="screen16x9"/>
   <p:notesSz cx="6858000" cy="9144000"/>
   <p:embeddedFontLst>
     <p:embeddedFont>
       <p:font typeface="Fira Sans Book" panose="020B0604020202020204" charset="0"/>
-      <p:regular r:id="rId8"/>
-      <p:italic r:id="rId9"/>
+      <p:regular r:id="rId10"/>
+      <p:italic r:id="rId11"/>
     </p:embeddedFont>
   </p:embeddedFontLst>
   <p:defaultTextStyle>
@@ -219,7 +221,7 @@
           <a:p>
             <a:fld id="{38D67A11-FE13-46EC-9BBB-0FF54DFE6FC5}" type="datetimeFigureOut">
               <a:rPr lang="de-DE" smtClean="0"/>
-              <a:t>01.10.2024</a:t>
+              <a:t>03.10.2024</a:t>
             </a:fld>
             <a:endParaRPr lang="de-DE"/>
           </a:p>
@@ -3878,7 +3880,7 @@
           <a:p>
             <a:fld id="{1A7E03AA-F54C-476B-BA5D-52344C1508FB}" type="datetime1">
               <a:rPr lang="de-DE" smtClean="0"/>
-              <a:t>01.10.2024</a:t>
+              <a:t>03.10.2024</a:t>
             </a:fld>
             <a:endParaRPr lang="de-DE" dirty="0"/>
           </a:p>
@@ -4563,7 +4565,7 @@
           <a:p>
             <a:fld id="{5A90802A-C0FD-4B00-B469-129CF2DA912E}" type="datetime1">
               <a:rPr lang="de-DE" smtClean="0"/>
-              <a:t>01.10.2024</a:t>
+              <a:t>03.10.2024</a:t>
             </a:fld>
             <a:endParaRPr lang="de-DE" dirty="0"/>
           </a:p>
@@ -5513,7 +5515,7 @@
           <a:p>
             <a:fld id="{2979E174-AA4E-4C14-8CD4-2C99030F6972}" type="datetime1">
               <a:rPr lang="de-DE" smtClean="0"/>
-              <a:t>01.10.2024</a:t>
+              <a:t>03.10.2024</a:t>
             </a:fld>
             <a:endParaRPr lang="de-DE" dirty="0"/>
           </a:p>
@@ -6589,7 +6591,7 @@
         <p:spPr>
           <a:xfrm>
             <a:off x="0" y="627534"/>
-            <a:ext cx="4499992" cy="1814893"/>
+            <a:ext cx="4499992" cy="3456384"/>
           </a:xfrm>
           <a:prstGeom prst="rect">
             <a:avLst/>
@@ -6660,20 +6662,148 @@
             </a:r>
           </a:p>
           <a:p>
+            <a:pPr marL="742950" lvl="1" indent="-285750">
+              <a:buFont typeface="Arial" panose="020B0604020202020204" pitchFamily="34" charset="0"/>
+              <a:buChar char="•"/>
+            </a:pPr>
+            <a:r>
+              <a:rPr lang="en-US" dirty="0">
+                <a:solidFill>
+                  <a:schemeClr val="bg1"/>
+                </a:solidFill>
+                <a:latin typeface="Fira Sans Book" panose="020B0503050000020004" pitchFamily="34" charset="0"/>
+                <a:ea typeface="Fira Sans Book" panose="020B0503050000020004" pitchFamily="34" charset="0"/>
+              </a:rPr>
+              <a:t>Measured: 3D meniscal position and deformation at 0°, 30°, 60°, 90° flexion</a:t>
+            </a:r>
+          </a:p>
+          <a:p>
+            <a:pPr marL="742950" lvl="1" indent="-285750">
+              <a:buFont typeface="Arial" panose="020B0604020202020204" pitchFamily="34" charset="0"/>
+              <a:buChar char="•"/>
+            </a:pPr>
+            <a:r>
+              <a:rPr lang="en-US" dirty="0">
+                <a:solidFill>
+                  <a:schemeClr val="bg1"/>
+                </a:solidFill>
+                <a:latin typeface="Fira Sans Book" panose="020B0503050000020004" pitchFamily="34" charset="0"/>
+                <a:ea typeface="Fira Sans Book" panose="020B0503050000020004" pitchFamily="34" charset="0"/>
+              </a:rPr>
+              <a:t>Method: Static 3D MRI scans at each angle + full </a:t>
+            </a:r>
+            <a:r>
+              <a:rPr lang="en-US" dirty="0" err="1">
+                <a:solidFill>
+                  <a:schemeClr val="bg1"/>
+                </a:solidFill>
+                <a:latin typeface="Fira Sans Book" panose="020B0503050000020004" pitchFamily="34" charset="0"/>
+                <a:ea typeface="Fira Sans Book" panose="020B0503050000020004" pitchFamily="34" charset="0"/>
+              </a:rPr>
+              <a:t>lowerlimb</a:t>
+            </a:r>
+            <a:r>
+              <a:rPr lang="en-US" dirty="0">
+                <a:solidFill>
+                  <a:schemeClr val="bg1"/>
+                </a:solidFill>
+                <a:latin typeface="Fira Sans Book" panose="020B0503050000020004" pitchFamily="34" charset="0"/>
+                <a:ea typeface="Fira Sans Book" panose="020B0503050000020004" pitchFamily="34" charset="0"/>
+              </a:rPr>
+              <a:t> scan</a:t>
+            </a:r>
+          </a:p>
+          <a:p>
+            <a:pPr marL="742950" lvl="1" indent="-285750">
+              <a:buFont typeface="Arial" panose="020B0604020202020204" pitchFamily="34" charset="0"/>
+              <a:buChar char="•"/>
+            </a:pPr>
+            <a:r>
+              <a:rPr lang="en-US" dirty="0">
+                <a:solidFill>
+                  <a:schemeClr val="bg1"/>
+                </a:solidFill>
+                <a:latin typeface="Fira Sans Book" panose="020B0503050000020004" pitchFamily="34" charset="0"/>
+                <a:ea typeface="Fira Sans Book" panose="020B0503050000020004" pitchFamily="34" charset="0"/>
+              </a:rPr>
+              <a:t>Used statistical shape models to predict meniscal geometry</a:t>
+            </a:r>
+          </a:p>
+          <a:p>
+            <a:pPr marL="742950" lvl="1" indent="-285750">
+              <a:buFont typeface="Arial" panose="020B0604020202020204" pitchFamily="34" charset="0"/>
+              <a:buChar char="•"/>
+            </a:pPr>
+            <a:r>
+              <a:rPr lang="en-US" dirty="0">
+                <a:solidFill>
+                  <a:schemeClr val="bg1"/>
+                </a:solidFill>
+                <a:latin typeface="Fira Sans Book" panose="020B0503050000020004" pitchFamily="34" charset="0"/>
+                <a:ea typeface="Fira Sans Book" panose="020B0503050000020004" pitchFamily="34" charset="0"/>
+              </a:rPr>
+              <a:t>Calculated point-to-point distances between flexion angles</a:t>
+            </a:r>
+          </a:p>
+          <a:p>
+            <a:endParaRPr lang="en-US" dirty="0">
+              <a:solidFill>
+                <a:schemeClr val="bg1"/>
+              </a:solidFill>
+              <a:latin typeface="Fira Sans Book" panose="020B0503050000020004" pitchFamily="34" charset="0"/>
+              <a:ea typeface="Fira Sans Book" panose="020B0503050000020004" pitchFamily="34" charset="0"/>
+            </a:endParaRPr>
+          </a:p>
+          <a:p>
             <a:pPr marL="285750" indent="-285750">
               <a:buFont typeface="Arial" panose="020B0604020202020204" pitchFamily="34" charset="0"/>
               <a:buChar char="•"/>
             </a:pPr>
-            <a:r>
-              <a:rPr lang="en-US" dirty="0">
-                <a:solidFill>
-                  <a:schemeClr val="bg1"/>
-                </a:solidFill>
-                <a:latin typeface="Fira Sans Book" panose="020B0503050000020004" pitchFamily="34" charset="0"/>
-                <a:ea typeface="Fira Sans Book" panose="020B0503050000020004" pitchFamily="34" charset="0"/>
-              </a:rPr>
-              <a:t>B</a:t>
-            </a:r>
+            <a:endParaRPr lang="en-150" dirty="0" err="1">
+              <a:solidFill>
+                <a:schemeClr val="bg1"/>
+              </a:solidFill>
+              <a:latin typeface="Fira Sans Book" panose="020B0503050000020004" pitchFamily="34" charset="0"/>
+              <a:ea typeface="Fira Sans Book" panose="020B0503050000020004" pitchFamily="34" charset="0"/>
+            </a:endParaRPr>
+          </a:p>
+        </p:txBody>
+      </p:sp>
+      <p:sp>
+        <p:nvSpPr>
+          <p:cNvPr id="4" name="TextBox 3">
+            <a:extLst>
+              <a:ext uri="{FF2B5EF4-FFF2-40B4-BE49-F238E27FC236}">
+                <a16:creationId xmlns:a16="http://schemas.microsoft.com/office/drawing/2014/main" id="{320875A0-C9AF-9820-8240-C69B26FAA2D2}"/>
+              </a:ext>
+            </a:extLst>
+          </p:cNvPr>
+          <p:cNvSpPr txBox="1"/>
+          <p:nvPr/>
+        </p:nvSpPr>
+        <p:spPr>
+          <a:xfrm>
+            <a:off x="4502861" y="705888"/>
+            <a:ext cx="4499992" cy="3456384"/>
+          </a:xfrm>
+          <a:prstGeom prst="rect">
+            <a:avLst/>
+          </a:prstGeom>
+          <a:noFill/>
+        </p:spPr>
+        <p:txBody>
+          <a:bodyPr wrap="square" rtlCol="0">
+            <a:noAutofit/>
+          </a:bodyPr>
+          <a:lstStyle/>
+          <a:p>
+            <a:endParaRPr lang="en-US" dirty="0">
+              <a:solidFill>
+                <a:schemeClr val="bg1"/>
+              </a:solidFill>
+              <a:latin typeface="Fira Sans Book" panose="020B0503050000020004" pitchFamily="34" charset="0"/>
+              <a:ea typeface="Fira Sans Book" panose="020B0503050000020004" pitchFamily="34" charset="0"/>
+            </a:endParaRPr>
           </a:p>
           <a:p>
             <a:pPr marL="285750" indent="-285750">
@@ -6681,14 +6811,24 @@
               <a:buChar char="•"/>
             </a:pPr>
             <a:r>
-              <a:rPr lang="en-US" dirty="0">
+              <a:rPr lang="en-US" dirty="0" err="1">
                 <a:solidFill>
                   <a:schemeClr val="bg1"/>
                 </a:solidFill>
                 <a:latin typeface="Fira Sans Book" panose="020B0503050000020004" pitchFamily="34" charset="0"/>
                 <a:ea typeface="Fira Sans Book" panose="020B0503050000020004" pitchFamily="34" charset="0"/>
               </a:rPr>
-              <a:t>C</a:t>
+              <a:t>Cance</a:t>
+            </a:r>
+            <a:r>
+              <a:rPr lang="en-US" dirty="0">
+                <a:solidFill>
+                  <a:schemeClr val="bg1"/>
+                </a:solidFill>
+                <a:latin typeface="Fira Sans Book" panose="020B0503050000020004" pitchFamily="34" charset="0"/>
+                <a:ea typeface="Fira Sans Book" panose="020B0503050000020004" pitchFamily="34" charset="0"/>
+              </a:rPr>
+              <a:t> , 2024 -&gt; </a:t>
             </a:r>
           </a:p>
           <a:p>
@@ -6704,7 +6844,55 @@
                 <a:latin typeface="Fira Sans Book" panose="020B0503050000020004" pitchFamily="34" charset="0"/>
                 <a:ea typeface="Fira Sans Book" panose="020B0503050000020004" pitchFamily="34" charset="0"/>
               </a:rPr>
-              <a:t>D</a:t>
+              <a:t>Measured: Direction and magnitude of discoid lateral meniscus shift</a:t>
+            </a:r>
+          </a:p>
+          <a:p>
+            <a:pPr marL="285750" indent="-285750">
+              <a:buFont typeface="Arial" panose="020B0604020202020204" pitchFamily="34" charset="0"/>
+              <a:buChar char="•"/>
+            </a:pPr>
+            <a:r>
+              <a:rPr lang="en-US" dirty="0">
+                <a:solidFill>
+                  <a:schemeClr val="bg1"/>
+                </a:solidFill>
+                <a:latin typeface="Fira Sans Book" panose="020B0503050000020004" pitchFamily="34" charset="0"/>
+                <a:ea typeface="Fira Sans Book" panose="020B0503050000020004" pitchFamily="34" charset="0"/>
+              </a:rPr>
+              <a:t>Method: Two static MRI scans - after 'clock' and 'pop' movements</a:t>
+            </a:r>
+          </a:p>
+          <a:p>
+            <a:pPr marL="285750" indent="-285750">
+              <a:buFont typeface="Arial" panose="020B0604020202020204" pitchFamily="34" charset="0"/>
+              <a:buChar char="•"/>
+            </a:pPr>
+            <a:r>
+              <a:rPr lang="en-US" dirty="0">
+                <a:solidFill>
+                  <a:schemeClr val="bg1"/>
+                </a:solidFill>
+                <a:latin typeface="Fira Sans Book" panose="020B0503050000020004" pitchFamily="34" charset="0"/>
+                <a:ea typeface="Fira Sans Book" panose="020B0503050000020004" pitchFamily="34" charset="0"/>
+              </a:rPr>
+              <a:t>Compared meniscus position between scans to classify instability type</a:t>
+            </a:r>
+          </a:p>
+          <a:p>
+            <a:pPr marL="285750" indent="-285750">
+              <a:buFont typeface="Arial" panose="020B0604020202020204" pitchFamily="34" charset="0"/>
+              <a:buChar char="•"/>
+            </a:pPr>
+            <a:r>
+              <a:rPr lang="en-US" dirty="0">
+                <a:solidFill>
+                  <a:schemeClr val="bg1"/>
+                </a:solidFill>
+                <a:latin typeface="Fira Sans Book" panose="020B0503050000020004" pitchFamily="34" charset="0"/>
+                <a:ea typeface="Fira Sans Book" panose="020B0503050000020004" pitchFamily="34" charset="0"/>
+              </a:rPr>
+              <a:t>Validated findings with arthroscopic examination</a:t>
             </a:r>
           </a:p>
           <a:p>
@@ -7232,250 +7420,6 @@
           </a:p>
         </p:txBody>
       </p:sp>
-      <p:sp>
-        <p:nvSpPr>
-          <p:cNvPr id="9" name="TextBox 8">
-            <a:extLst>
-              <a:ext uri="{FF2B5EF4-FFF2-40B4-BE49-F238E27FC236}">
-                <a16:creationId xmlns:a16="http://schemas.microsoft.com/office/drawing/2014/main" id="{BDAE81A6-FAD8-F7EE-9527-6621EF40C487}"/>
-              </a:ext>
-            </a:extLst>
-          </p:cNvPr>
-          <p:cNvSpPr txBox="1"/>
-          <p:nvPr/>
-        </p:nvSpPr>
-        <p:spPr>
-          <a:xfrm>
-            <a:off x="0" y="2715766"/>
-            <a:ext cx="4499992" cy="1814893"/>
-          </a:xfrm>
-          <a:prstGeom prst="rect">
-            <a:avLst/>
-          </a:prstGeom>
-          <a:noFill/>
-        </p:spPr>
-        <p:txBody>
-          <a:bodyPr wrap="square" rtlCol="0">
-            <a:noAutofit/>
-          </a:bodyPr>
-          <a:lstStyle/>
-          <a:p>
-            <a:pPr marL="285750" indent="-285750">
-              <a:buFont typeface="Arial" panose="020B0604020202020204" pitchFamily="34" charset="0"/>
-              <a:buChar char="•"/>
-            </a:pPr>
-            <a:r>
-              <a:rPr lang="en-US" dirty="0">
-                <a:solidFill>
-                  <a:schemeClr val="bg1"/>
-                </a:solidFill>
-                <a:latin typeface="Fira Sans Book" panose="020B0503050000020004" pitchFamily="34" charset="0"/>
-                <a:ea typeface="Fira Sans Book" panose="020B0503050000020004" pitchFamily="34" charset="0"/>
-              </a:rPr>
-              <a:t> Proton density weighted 3D sequence </a:t>
-            </a:r>
-          </a:p>
-          <a:p>
-            <a:pPr marL="285750" indent="-285750">
-              <a:buFont typeface="Arial" panose="020B0604020202020204" pitchFamily="34" charset="0"/>
-              <a:buChar char="•"/>
-            </a:pPr>
-            <a:r>
-              <a:rPr lang="en-US" dirty="0">
-                <a:solidFill>
-                  <a:schemeClr val="bg1"/>
-                </a:solidFill>
-                <a:latin typeface="Fira Sans Book" panose="020B0503050000020004" pitchFamily="34" charset="0"/>
-                <a:ea typeface="Fira Sans Book" panose="020B0503050000020004" pitchFamily="34" charset="0"/>
-              </a:rPr>
-              <a:t>(0.3571 , 0.3571, 1.5 ) mm </a:t>
-            </a:r>
-          </a:p>
-          <a:p>
-            <a:pPr marL="285750" indent="-285750">
-              <a:buFont typeface="Arial" panose="020B0604020202020204" pitchFamily="34" charset="0"/>
-              <a:buChar char="•"/>
-            </a:pPr>
-            <a:r>
-              <a:rPr lang="en-US" dirty="0">
-                <a:solidFill>
-                  <a:schemeClr val="bg1"/>
-                </a:solidFill>
-                <a:latin typeface="Fira Sans Book" panose="020B0503050000020004" pitchFamily="34" charset="0"/>
-                <a:ea typeface="Fira Sans Book" panose="020B0503050000020004" pitchFamily="34" charset="0"/>
-              </a:rPr>
-              <a:t>Additional coronal overview scans </a:t>
-            </a:r>
-          </a:p>
-          <a:p>
-            <a:pPr marL="285750" indent="-285750">
-              <a:buFont typeface="Arial" panose="020B0604020202020204" pitchFamily="34" charset="0"/>
-              <a:buChar char="•"/>
-            </a:pPr>
-            <a:r>
-              <a:rPr lang="en-US" dirty="0">
-                <a:solidFill>
-                  <a:schemeClr val="bg1"/>
-                </a:solidFill>
-                <a:latin typeface="Fira Sans Book" panose="020B0503050000020004" pitchFamily="34" charset="0"/>
-                <a:ea typeface="Fira Sans Book" panose="020B0503050000020004" pitchFamily="34" charset="0"/>
-              </a:rPr>
-              <a:t>(0.7308, 0.7308, 3) </a:t>
-            </a:r>
-          </a:p>
-          <a:p>
-            <a:pPr marL="285750" indent="-285750">
-              <a:buFont typeface="Arial" panose="020B0604020202020204" pitchFamily="34" charset="0"/>
-              <a:buChar char="•"/>
-            </a:pPr>
-            <a:endParaRPr lang="en-150" dirty="0" err="1">
-              <a:solidFill>
-                <a:schemeClr val="bg1"/>
-              </a:solidFill>
-              <a:latin typeface="Fira Sans Book" panose="020B0503050000020004" pitchFamily="34" charset="0"/>
-              <a:ea typeface="Fira Sans Book" panose="020B0503050000020004" pitchFamily="34" charset="0"/>
-            </a:endParaRPr>
-          </a:p>
-        </p:txBody>
-      </p:sp>
-      <p:sp>
-        <p:nvSpPr>
-          <p:cNvPr id="10" name="TextBox 9">
-            <a:extLst>
-              <a:ext uri="{FF2B5EF4-FFF2-40B4-BE49-F238E27FC236}">
-                <a16:creationId xmlns:a16="http://schemas.microsoft.com/office/drawing/2014/main" id="{BB52B9C1-56D0-3544-3D9F-EB0533940E4C}"/>
-              </a:ext>
-            </a:extLst>
-          </p:cNvPr>
-          <p:cNvSpPr txBox="1"/>
-          <p:nvPr/>
-        </p:nvSpPr>
-        <p:spPr>
-          <a:xfrm>
-            <a:off x="4499992" y="2599473"/>
-            <a:ext cx="4499992" cy="1814893"/>
-          </a:xfrm>
-          <a:prstGeom prst="rect">
-            <a:avLst/>
-          </a:prstGeom>
-          <a:noFill/>
-        </p:spPr>
-        <p:txBody>
-          <a:bodyPr wrap="square" rtlCol="0">
-            <a:noAutofit/>
-          </a:bodyPr>
-          <a:lstStyle/>
-          <a:p>
-            <a:pPr marL="285750" indent="-285750">
-              <a:buFont typeface="Arial" panose="020B0604020202020204" pitchFamily="34" charset="0"/>
-              <a:buChar char="•"/>
-            </a:pPr>
-            <a:r>
-              <a:rPr lang="en-US" sz="1100" dirty="0">
-                <a:solidFill>
-                  <a:schemeClr val="bg1"/>
-                </a:solidFill>
-                <a:latin typeface="Fira Sans Book" panose="020B0503050000020004" pitchFamily="34" charset="0"/>
-                <a:ea typeface="Fira Sans Book" panose="020B0503050000020004" pitchFamily="34" charset="0"/>
-              </a:rPr>
-              <a:t> Subjects positions in lateral decubitus (lying on their sides) on the MRI table </a:t>
-            </a:r>
-          </a:p>
-          <a:p>
-            <a:pPr marL="285750" indent="-285750">
-              <a:buFont typeface="Arial" panose="020B0604020202020204" pitchFamily="34" charset="0"/>
-              <a:buChar char="•"/>
-            </a:pPr>
-            <a:r>
-              <a:rPr lang="en-US" sz="1100" dirty="0">
-                <a:solidFill>
-                  <a:schemeClr val="bg1"/>
-                </a:solidFill>
-                <a:latin typeface="Fira Sans Book" panose="020B0503050000020004" pitchFamily="34" charset="0"/>
-                <a:ea typeface="Fira Sans Book" panose="020B0503050000020004" pitchFamily="34" charset="0"/>
-              </a:rPr>
-              <a:t>Foot of the dominant leg pressed against a wooden bar</a:t>
-            </a:r>
-          </a:p>
-          <a:p>
-            <a:pPr marL="285750" indent="-285750">
-              <a:buFont typeface="Arial" panose="020B0604020202020204" pitchFamily="34" charset="0"/>
-              <a:buChar char="•"/>
-            </a:pPr>
-            <a:r>
-              <a:rPr lang="en-US" sz="1100" dirty="0">
-                <a:solidFill>
-                  <a:schemeClr val="bg1"/>
-                </a:solidFill>
-                <a:latin typeface="Fira Sans Book" panose="020B0503050000020004" pitchFamily="34" charset="0"/>
-                <a:ea typeface="Fira Sans Book" panose="020B0503050000020004" pitchFamily="34" charset="0"/>
-              </a:rPr>
-              <a:t>A weight of 25 kgs attached to the wooden bar to simulate knee joint loading </a:t>
-            </a:r>
-          </a:p>
-          <a:p>
-            <a:pPr marL="285750" indent="-285750">
-              <a:buFont typeface="Arial" panose="020B0604020202020204" pitchFamily="34" charset="0"/>
-              <a:buChar char="•"/>
-            </a:pPr>
-            <a:r>
-              <a:rPr lang="en-US" sz="1100" dirty="0">
-                <a:solidFill>
-                  <a:schemeClr val="bg1"/>
-                </a:solidFill>
-                <a:latin typeface="Fira Sans Book" panose="020B0503050000020004" pitchFamily="34" charset="0"/>
-                <a:ea typeface="Fira Sans Book" panose="020B0503050000020004" pitchFamily="34" charset="0"/>
-              </a:rPr>
-              <a:t>Scans were taken at four angles. </a:t>
-            </a:r>
-          </a:p>
-          <a:p>
-            <a:pPr marL="285750" indent="-285750">
-              <a:buFont typeface="Arial" panose="020B0604020202020204" pitchFamily="34" charset="0"/>
-              <a:buChar char="•"/>
-            </a:pPr>
-            <a:r>
-              <a:rPr lang="en-US" sz="1100" dirty="0">
-                <a:solidFill>
-                  <a:schemeClr val="bg1"/>
-                </a:solidFill>
-                <a:latin typeface="Fira Sans Book" panose="020B0503050000020004" pitchFamily="34" charset="0"/>
-                <a:ea typeface="Fira Sans Book" panose="020B0503050000020004" pitchFamily="34" charset="0"/>
-              </a:rPr>
-              <a:t>Knee flexion angle was approximated using a goniometer** </a:t>
-            </a:r>
-          </a:p>
-          <a:p>
-            <a:pPr marL="285750" indent="-285750">
-              <a:buFont typeface="Arial" panose="020B0604020202020204" pitchFamily="34" charset="0"/>
-              <a:buChar char="•"/>
-            </a:pPr>
-            <a:r>
-              <a:rPr lang="en-US" sz="1100" dirty="0">
-                <a:solidFill>
-                  <a:schemeClr val="bg1"/>
-                </a:solidFill>
-                <a:latin typeface="Fira Sans Book" panose="020B0503050000020004" pitchFamily="34" charset="0"/>
-                <a:ea typeface="Fira Sans Book" panose="020B0503050000020004" pitchFamily="34" charset="0"/>
-              </a:rPr>
-              <a:t>Additional coronal scan taken at 0 degree flexion </a:t>
-            </a:r>
-          </a:p>
-          <a:p>
-            <a:pPr marL="285750" indent="-285750">
-              <a:buFont typeface="Arial" panose="020B0604020202020204" pitchFamily="34" charset="0"/>
-              <a:buChar char="•"/>
-            </a:pPr>
-            <a:endParaRPr lang="en-150" dirty="0" err="1">
-              <a:solidFill>
-                <a:schemeClr val="bg1"/>
-              </a:solidFill>
-              <a:latin typeface="Fira Sans Book" panose="020B0503050000020004" pitchFamily="34" charset="0"/>
-              <a:ea typeface="Fira Sans Book" panose="020B0503050000020004" pitchFamily="34" charset="0"/>
-            </a:endParaRPr>
-          </a:p>
-        </p:txBody>
-      </p:sp>
       <p:pic>
         <p:nvPicPr>
           <p:cNvPr id="4" name="Picture 3">
@@ -7655,7 +7599,10 @@
           <a:bodyPr/>
           <a:lstStyle/>
           <a:p>
-            <a:endParaRPr lang="de-DE" dirty="0"/>
+            <a:r>
+              <a:rPr lang="de-DE" dirty="0"/>
+              <a:t>6 DOF knee kinematics </a:t>
+            </a:r>
           </a:p>
         </p:txBody>
       </p:sp>
@@ -7680,44 +7627,6 @@
               <a:t>5</a:t>
             </a:fld>
             <a:endParaRPr lang="de-DE" dirty="0"/>
-          </a:p>
-        </p:txBody>
-      </p:sp>
-      <p:sp>
-        <p:nvSpPr>
-          <p:cNvPr id="8" name="TextBox 7">
-            <a:extLst>
-              <a:ext uri="{FF2B5EF4-FFF2-40B4-BE49-F238E27FC236}">
-                <a16:creationId xmlns:a16="http://schemas.microsoft.com/office/drawing/2014/main" id="{BFD6C5EB-7556-1C05-6C84-4EA6742B585A}"/>
-              </a:ext>
-            </a:extLst>
-          </p:cNvPr>
-          <p:cNvSpPr txBox="1"/>
-          <p:nvPr/>
-        </p:nvSpPr>
-        <p:spPr>
-          <a:xfrm>
-            <a:off x="4585176" y="756857"/>
-            <a:ext cx="4499992" cy="1814893"/>
-          </a:xfrm>
-          <a:prstGeom prst="rect">
-            <a:avLst/>
-          </a:prstGeom>
-          <a:noFill/>
-        </p:spPr>
-        <p:txBody>
-          <a:bodyPr wrap="square" rtlCol="0">
-            <a:noAutofit/>
-          </a:bodyPr>
-          <a:lstStyle/>
-          <a:p>
-            <a:endParaRPr lang="en-150" dirty="0" err="1">
-              <a:solidFill>
-                <a:schemeClr val="bg1"/>
-              </a:solidFill>
-              <a:latin typeface="Fira Sans Book" panose="020B0503050000020004" pitchFamily="34" charset="0"/>
-              <a:ea typeface="Fira Sans Book" panose="020B0503050000020004" pitchFamily="34" charset="0"/>
-            </a:endParaRPr>
           </a:p>
         </p:txBody>
       </p:sp>
@@ -7825,10 +7734,957 @@
           </a:p>
         </p:txBody>
       </p:sp>
+      <p:sp>
+        <p:nvSpPr>
+          <p:cNvPr id="3" name="TextBox 2">
+            <a:extLst>
+              <a:ext uri="{FF2B5EF4-FFF2-40B4-BE49-F238E27FC236}">
+                <a16:creationId xmlns:a16="http://schemas.microsoft.com/office/drawing/2014/main" id="{130B437B-4377-4D54-AE03-AC2D1CA966EF}"/>
+              </a:ext>
+            </a:extLst>
+          </p:cNvPr>
+          <p:cNvSpPr txBox="1"/>
+          <p:nvPr/>
+        </p:nvSpPr>
+        <p:spPr>
+          <a:xfrm>
+            <a:off x="199666" y="612841"/>
+            <a:ext cx="4307305" cy="4104456"/>
+          </a:xfrm>
+          <a:prstGeom prst="rect">
+            <a:avLst/>
+          </a:prstGeom>
+          <a:noFill/>
+        </p:spPr>
+        <p:txBody>
+          <a:bodyPr wrap="square" rtlCol="0">
+            <a:noAutofit/>
+          </a:bodyPr>
+          <a:lstStyle/>
+          <a:p>
+            <a:r>
+              <a:rPr lang="en-US" dirty="0">
+                <a:solidFill>
+                  <a:schemeClr val="bg1"/>
+                </a:solidFill>
+                <a:latin typeface="Fira Sans Book" panose="020B0503050000020004" pitchFamily="34" charset="0"/>
+                <a:ea typeface="Fira Sans Book" panose="020B0503050000020004" pitchFamily="34" charset="0"/>
+              </a:rPr>
+              <a:t>- </a:t>
+            </a:r>
+            <a:r>
+              <a:rPr lang="en-US" dirty="0" err="1">
+                <a:solidFill>
+                  <a:schemeClr val="bg1"/>
+                </a:solidFill>
+                <a:latin typeface="Fira Sans Book" panose="020B0503050000020004" pitchFamily="34" charset="0"/>
+                <a:ea typeface="Fira Sans Book" panose="020B0503050000020004" pitchFamily="34" charset="0"/>
+              </a:rPr>
+              <a:t>Conconi</a:t>
+            </a:r>
+            <a:r>
+              <a:rPr lang="en-US" dirty="0">
+                <a:solidFill>
+                  <a:schemeClr val="bg1"/>
+                </a:solidFill>
+                <a:latin typeface="Fira Sans Book" panose="020B0503050000020004" pitchFamily="34" charset="0"/>
+                <a:ea typeface="Fira Sans Book" panose="020B0503050000020004" pitchFamily="34" charset="0"/>
+              </a:rPr>
+              <a:t>, 2023</a:t>
+            </a:r>
+            <a:endParaRPr lang="en-150" dirty="0" err="1">
+              <a:solidFill>
+                <a:schemeClr val="bg1"/>
+              </a:solidFill>
+              <a:latin typeface="Fira Sans Book" panose="020B0503050000020004" pitchFamily="34" charset="0"/>
+              <a:ea typeface="Fira Sans Book" panose="020B0503050000020004" pitchFamily="34" charset="0"/>
+            </a:endParaRPr>
+          </a:p>
+        </p:txBody>
+      </p:sp>
     </p:spTree>
     <p:extLst>
       <p:ext uri="{BB962C8B-B14F-4D97-AF65-F5344CB8AC3E}">
         <p14:creationId xmlns:p14="http://schemas.microsoft.com/office/powerpoint/2010/main" val="3203991976"/>
+      </p:ext>
+    </p:extLst>
+  </p:cSld>
+  <p:clrMapOvr>
+    <a:masterClrMapping/>
+  </p:clrMapOvr>
+</p:sld>
+</file>
+
+<file path=ppt/slides/slide6.xml><?xml version="1.0" encoding="utf-8"?>
+<p:sld xmlns:a="http://schemas.openxmlformats.org/drawingml/2006/main" xmlns:r="http://schemas.openxmlformats.org/officeDocument/2006/relationships" xmlns:p="http://schemas.openxmlformats.org/presentationml/2006/main">
+  <p:cSld>
+    <p:spTree>
+      <p:nvGrpSpPr>
+        <p:cNvPr id="1" name="">
+          <a:extLst>
+            <a:ext uri="{FF2B5EF4-FFF2-40B4-BE49-F238E27FC236}">
+              <a16:creationId xmlns:a16="http://schemas.microsoft.com/office/drawing/2014/main" id="{A8517AF6-BEA4-6865-181E-C98DC8366A1F}"/>
+            </a:ext>
+          </a:extLst>
+        </p:cNvPr>
+        <p:cNvGrpSpPr/>
+        <p:nvPr/>
+      </p:nvGrpSpPr>
+      <p:grpSpPr>
+        <a:xfrm>
+          <a:off x="0" y="0"/>
+          <a:ext cx="0" cy="0"/>
+          <a:chOff x="0" y="0"/>
+          <a:chExt cx="0" cy="0"/>
+        </a:xfrm>
+      </p:grpSpPr>
+      <p:sp>
+        <p:nvSpPr>
+          <p:cNvPr id="2" name="Titel 1">
+            <a:extLst>
+              <a:ext uri="{FF2B5EF4-FFF2-40B4-BE49-F238E27FC236}">
+                <a16:creationId xmlns:a16="http://schemas.microsoft.com/office/drawing/2014/main" id="{B3728A69-81D4-F129-2CEA-2EA36056C1A2}"/>
+              </a:ext>
+            </a:extLst>
+          </p:cNvPr>
+          <p:cNvSpPr>
+            <a:spLocks noGrp="1"/>
+          </p:cNvSpPr>
+          <p:nvPr>
+            <p:ph type="title"/>
+          </p:nvPr>
+        </p:nvSpPr>
+        <p:spPr/>
+        <p:txBody>
+          <a:bodyPr/>
+          <a:lstStyle/>
+          <a:p>
+            <a:r>
+              <a:rPr lang="en-US" dirty="0" err="1">
+                <a:solidFill>
+                  <a:schemeClr val="tx1"/>
+                </a:solidFill>
+                <a:latin typeface="Fira Sans Book" panose="020B0503050000020004" pitchFamily="34" charset="0"/>
+                <a:ea typeface="Fira Sans Book" panose="020B0503050000020004" pitchFamily="34" charset="0"/>
+              </a:rPr>
+              <a:t>Conconi</a:t>
+            </a:r>
+            <a:r>
+              <a:rPr lang="en-US" dirty="0">
+                <a:solidFill>
+                  <a:schemeClr val="tx1"/>
+                </a:solidFill>
+                <a:latin typeface="Fira Sans Book" panose="020B0503050000020004" pitchFamily="34" charset="0"/>
+                <a:ea typeface="Fira Sans Book" panose="020B0503050000020004" pitchFamily="34" charset="0"/>
+              </a:rPr>
+              <a:t>, 2023 </a:t>
+            </a:r>
+            <a:endParaRPr lang="en-150" dirty="0" err="1">
+              <a:solidFill>
+                <a:schemeClr val="tx1"/>
+              </a:solidFill>
+              <a:latin typeface="Fira Sans Book" panose="020B0503050000020004" pitchFamily="34" charset="0"/>
+              <a:ea typeface="Fira Sans Book" panose="020B0503050000020004" pitchFamily="34" charset="0"/>
+            </a:endParaRPr>
+          </a:p>
+        </p:txBody>
+      </p:sp>
+      <p:sp>
+        <p:nvSpPr>
+          <p:cNvPr id="5" name="Foliennummernplatzhalter 4">
+            <a:extLst>
+              <a:ext uri="{FF2B5EF4-FFF2-40B4-BE49-F238E27FC236}">
+                <a16:creationId xmlns:a16="http://schemas.microsoft.com/office/drawing/2014/main" id="{D486A16A-742C-34C9-4E11-4511F4138C89}"/>
+              </a:ext>
+            </a:extLst>
+          </p:cNvPr>
+          <p:cNvSpPr>
+            <a:spLocks noGrp="1"/>
+          </p:cNvSpPr>
+          <p:nvPr>
+            <p:ph type="sldNum" sz="quarter" idx="4"/>
+          </p:nvPr>
+        </p:nvSpPr>
+        <p:spPr/>
+        <p:txBody>
+          <a:bodyPr/>
+          <a:lstStyle/>
+          <a:p>
+            <a:fld id="{50B1B3AD-80CD-4C4C-B9E6-D3174EA9BC3B}" type="slidenum">
+              <a:rPr lang="de-DE" smtClean="0"/>
+              <a:pPr/>
+              <a:t>6</a:t>
+            </a:fld>
+            <a:endParaRPr lang="de-DE" dirty="0"/>
+          </a:p>
+        </p:txBody>
+      </p:sp>
+      <p:sp>
+        <p:nvSpPr>
+          <p:cNvPr id="8" name="TextBox 7">
+            <a:extLst>
+              <a:ext uri="{FF2B5EF4-FFF2-40B4-BE49-F238E27FC236}">
+                <a16:creationId xmlns:a16="http://schemas.microsoft.com/office/drawing/2014/main" id="{39406C54-C2F6-2F40-B671-BB611918E711}"/>
+              </a:ext>
+            </a:extLst>
+          </p:cNvPr>
+          <p:cNvSpPr txBox="1"/>
+          <p:nvPr/>
+        </p:nvSpPr>
+        <p:spPr>
+          <a:xfrm>
+            <a:off x="4585176" y="756857"/>
+            <a:ext cx="4499992" cy="1814893"/>
+          </a:xfrm>
+          <a:prstGeom prst="rect">
+            <a:avLst/>
+          </a:prstGeom>
+          <a:noFill/>
+        </p:spPr>
+        <p:txBody>
+          <a:bodyPr wrap="square" rtlCol="0">
+            <a:noAutofit/>
+          </a:bodyPr>
+          <a:lstStyle/>
+          <a:p>
+            <a:endParaRPr lang="en-150" dirty="0" err="1">
+              <a:solidFill>
+                <a:schemeClr val="bg1"/>
+              </a:solidFill>
+              <a:latin typeface="Fira Sans Book" panose="020B0503050000020004" pitchFamily="34" charset="0"/>
+              <a:ea typeface="Fira Sans Book" panose="020B0503050000020004" pitchFamily="34" charset="0"/>
+            </a:endParaRPr>
+          </a:p>
+        </p:txBody>
+      </p:sp>
+      <p:sp>
+        <p:nvSpPr>
+          <p:cNvPr id="9" name="TextBox 8">
+            <a:extLst>
+              <a:ext uri="{FF2B5EF4-FFF2-40B4-BE49-F238E27FC236}">
+                <a16:creationId xmlns:a16="http://schemas.microsoft.com/office/drawing/2014/main" id="{570C002F-A57D-2493-D0B2-A6199C6635A1}"/>
+              </a:ext>
+            </a:extLst>
+          </p:cNvPr>
+          <p:cNvSpPr txBox="1"/>
+          <p:nvPr/>
+        </p:nvSpPr>
+        <p:spPr>
+          <a:xfrm>
+            <a:off x="17751" y="2552843"/>
+            <a:ext cx="4499992" cy="2583265"/>
+          </a:xfrm>
+          <a:prstGeom prst="rect">
+            <a:avLst/>
+          </a:prstGeom>
+          <a:noFill/>
+        </p:spPr>
+        <p:txBody>
+          <a:bodyPr wrap="square" rtlCol="0">
+            <a:noAutofit/>
+          </a:bodyPr>
+          <a:lstStyle/>
+          <a:p>
+            <a:r>
+              <a:rPr lang="en-US" u="sng" dirty="0">
+                <a:solidFill>
+                  <a:schemeClr val="bg1"/>
+                </a:solidFill>
+                <a:latin typeface="Fira Sans Book" panose="020B0503050000020004" pitchFamily="34" charset="0"/>
+                <a:ea typeface="Fira Sans Book" panose="020B0503050000020004" pitchFamily="34" charset="0"/>
+              </a:rPr>
+              <a:t> The imaging sequence </a:t>
+            </a:r>
+          </a:p>
+          <a:p>
+            <a:pPr marL="285750" indent="-285750">
+              <a:buFontTx/>
+              <a:buChar char="-"/>
+            </a:pPr>
+            <a:r>
+              <a:rPr lang="en-US" dirty="0">
+                <a:solidFill>
+                  <a:schemeClr val="bg1"/>
+                </a:solidFill>
+                <a:latin typeface="Fira Sans Book" panose="020B0503050000020004" pitchFamily="34" charset="0"/>
+                <a:ea typeface="Fira Sans Book" panose="020B0503050000020004" pitchFamily="34" charset="0"/>
+              </a:rPr>
+              <a:t>0.25 T G-Scan, </a:t>
+            </a:r>
+            <a:r>
+              <a:rPr lang="en-US" dirty="0" err="1">
+                <a:solidFill>
+                  <a:schemeClr val="bg1"/>
+                </a:solidFill>
+                <a:latin typeface="Fira Sans Book" panose="020B0503050000020004" pitchFamily="34" charset="0"/>
+                <a:ea typeface="Fira Sans Book" panose="020B0503050000020004" pitchFamily="34" charset="0"/>
+              </a:rPr>
+              <a:t>Esaote</a:t>
+            </a:r>
+            <a:r>
+              <a:rPr lang="en-US" dirty="0">
+                <a:solidFill>
+                  <a:schemeClr val="bg1"/>
+                </a:solidFill>
+                <a:latin typeface="Fira Sans Book" panose="020B0503050000020004" pitchFamily="34" charset="0"/>
+                <a:ea typeface="Fira Sans Book" panose="020B0503050000020004" pitchFamily="34" charset="0"/>
+              </a:rPr>
+              <a:t> </a:t>
+            </a:r>
+            <a:r>
+              <a:rPr lang="en-US" dirty="0" err="1">
+                <a:solidFill>
+                  <a:schemeClr val="bg1"/>
+                </a:solidFill>
+                <a:latin typeface="Fira Sans Book" panose="020B0503050000020004" pitchFamily="34" charset="0"/>
+                <a:ea typeface="Fira Sans Book" panose="020B0503050000020004" pitchFamily="34" charset="0"/>
+              </a:rPr>
+              <a:t>SpA</a:t>
+            </a:r>
+            <a:r>
+              <a:rPr lang="en-US" dirty="0">
+                <a:solidFill>
+                  <a:schemeClr val="bg1"/>
+                </a:solidFill>
+                <a:latin typeface="Fira Sans Book" panose="020B0503050000020004" pitchFamily="34" charset="0"/>
+                <a:ea typeface="Fira Sans Book" panose="020B0503050000020004" pitchFamily="34" charset="0"/>
+              </a:rPr>
+              <a:t> scanner</a:t>
+            </a:r>
+          </a:p>
+          <a:p>
+            <a:pPr marL="285750" indent="-285750">
+              <a:buFontTx/>
+              <a:buChar char="-"/>
+            </a:pPr>
+            <a:r>
+              <a:rPr lang="en-US" dirty="0">
+                <a:solidFill>
+                  <a:schemeClr val="bg1"/>
+                </a:solidFill>
+                <a:latin typeface="Fira Sans Book" panose="020B0503050000020004" pitchFamily="34" charset="0"/>
+                <a:ea typeface="Fira Sans Book" panose="020B0503050000020004" pitchFamily="34" charset="0"/>
+              </a:rPr>
+              <a:t>Dynamic MRI: 2D hybrid contrast </a:t>
+            </a:r>
+            <a:r>
+              <a:rPr lang="en-US" dirty="0" err="1">
+                <a:solidFill>
+                  <a:schemeClr val="bg1"/>
+                </a:solidFill>
+                <a:latin typeface="Fira Sans Book" panose="020B0503050000020004" pitchFamily="34" charset="0"/>
+                <a:ea typeface="Fira Sans Book" panose="020B0503050000020004" pitchFamily="34" charset="0"/>
+              </a:rPr>
+              <a:t>enh</a:t>
+            </a:r>
+            <a:endParaRPr lang="en-US" dirty="0">
+              <a:solidFill>
+                <a:schemeClr val="bg1"/>
+              </a:solidFill>
+              <a:latin typeface="Fira Sans Book" panose="020B0503050000020004" pitchFamily="34" charset="0"/>
+              <a:ea typeface="Fira Sans Book" panose="020B0503050000020004" pitchFamily="34" charset="0"/>
+            </a:endParaRPr>
+          </a:p>
+          <a:p>
+            <a:pPr marL="285750" indent="-285750">
+              <a:buFontTx/>
+              <a:buChar char="-"/>
+            </a:pPr>
+            <a:r>
+              <a:rPr lang="en-US" dirty="0">
+                <a:solidFill>
+                  <a:schemeClr val="bg1"/>
+                </a:solidFill>
+                <a:latin typeface="Fira Sans Book" panose="020B0503050000020004" pitchFamily="34" charset="0"/>
+                <a:ea typeface="Fira Sans Book" panose="020B0503050000020004" pitchFamily="34" charset="0"/>
+              </a:rPr>
+              <a:t>FOV 200 × 200, pixel spacing 0.68/0.68 mm, slice thickness 5 </a:t>
+            </a:r>
+            <a:r>
+              <a:rPr lang="en-US" dirty="0" err="1">
+                <a:solidFill>
+                  <a:schemeClr val="bg1"/>
+                </a:solidFill>
+                <a:latin typeface="Fira Sans Book" panose="020B0503050000020004" pitchFamily="34" charset="0"/>
+                <a:ea typeface="Fira Sans Book" panose="020B0503050000020004" pitchFamily="34" charset="0"/>
+              </a:rPr>
+              <a:t>mmancement</a:t>
+            </a:r>
+            <a:endParaRPr lang="en-US" dirty="0">
+              <a:solidFill>
+                <a:schemeClr val="bg1"/>
+              </a:solidFill>
+              <a:latin typeface="Fira Sans Book" panose="020B0503050000020004" pitchFamily="34" charset="0"/>
+              <a:ea typeface="Fira Sans Book" panose="020B0503050000020004" pitchFamily="34" charset="0"/>
+            </a:endParaRPr>
+          </a:p>
+          <a:p>
+            <a:pPr marL="285750" indent="-285750">
+              <a:buFontTx/>
+              <a:buChar char="-"/>
+            </a:pPr>
+            <a:r>
+              <a:rPr lang="en-US" dirty="0">
+                <a:solidFill>
+                  <a:schemeClr val="bg1"/>
+                </a:solidFill>
+                <a:latin typeface="Fira Sans Book" panose="020B0503050000020004" pitchFamily="34" charset="0"/>
+                <a:ea typeface="Fira Sans Book" panose="020B0503050000020004" pitchFamily="34" charset="0"/>
+              </a:rPr>
+              <a:t>2.9 seconds per frame </a:t>
+            </a:r>
+          </a:p>
+          <a:p>
+            <a:pPr marL="285750" indent="-285750">
+              <a:buFontTx/>
+              <a:buChar char="-"/>
+            </a:pPr>
+            <a:r>
+              <a:rPr lang="en-US" dirty="0">
+                <a:solidFill>
+                  <a:schemeClr val="bg1"/>
+                </a:solidFill>
+                <a:latin typeface="Fira Sans Book" panose="020B0503050000020004" pitchFamily="34" charset="0"/>
+                <a:ea typeface="Fira Sans Book" panose="020B0503050000020004" pitchFamily="34" charset="0"/>
+              </a:rPr>
+              <a:t>Two optimal planes were used for scanning</a:t>
+            </a:r>
+          </a:p>
+          <a:p>
+            <a:pPr marL="285750" indent="-285750">
+              <a:buFontTx/>
+              <a:buChar char="-"/>
+            </a:pPr>
+            <a:endParaRPr lang="en-US" dirty="0">
+              <a:solidFill>
+                <a:schemeClr val="bg1"/>
+              </a:solidFill>
+              <a:latin typeface="Fira Sans Book" panose="020B0503050000020004" pitchFamily="34" charset="0"/>
+              <a:ea typeface="Fira Sans Book" panose="020B0503050000020004" pitchFamily="34" charset="0"/>
+            </a:endParaRPr>
+          </a:p>
+          <a:p>
+            <a:pPr marL="285750" indent="-285750">
+              <a:buFontTx/>
+              <a:buChar char="-"/>
+            </a:pPr>
+            <a:endParaRPr lang="en-US" u="sng" dirty="0">
+              <a:solidFill>
+                <a:schemeClr val="bg1"/>
+              </a:solidFill>
+              <a:latin typeface="Fira Sans Book" panose="020B0503050000020004" pitchFamily="34" charset="0"/>
+              <a:ea typeface="Fira Sans Book" panose="020B0503050000020004" pitchFamily="34" charset="0"/>
+            </a:endParaRPr>
+          </a:p>
+        </p:txBody>
+      </p:sp>
+      <p:sp>
+        <p:nvSpPr>
+          <p:cNvPr id="10" name="TextBox 9">
+            <a:extLst>
+              <a:ext uri="{FF2B5EF4-FFF2-40B4-BE49-F238E27FC236}">
+                <a16:creationId xmlns:a16="http://schemas.microsoft.com/office/drawing/2014/main" id="{1244F762-849F-0439-28F2-70897669C851}"/>
+              </a:ext>
+            </a:extLst>
+          </p:cNvPr>
+          <p:cNvSpPr txBox="1"/>
+          <p:nvPr/>
+        </p:nvSpPr>
+        <p:spPr>
+          <a:xfrm>
+            <a:off x="4499992" y="2561026"/>
+            <a:ext cx="4499992" cy="2582474"/>
+          </a:xfrm>
+          <a:prstGeom prst="rect">
+            <a:avLst/>
+          </a:prstGeom>
+          <a:noFill/>
+        </p:spPr>
+        <p:txBody>
+          <a:bodyPr wrap="square" rtlCol="0">
+            <a:noAutofit/>
+          </a:bodyPr>
+          <a:lstStyle/>
+          <a:p>
+            <a:r>
+              <a:rPr lang="en-US" u="sng" dirty="0">
+                <a:solidFill>
+                  <a:schemeClr val="bg1"/>
+                </a:solidFill>
+                <a:latin typeface="Fira Sans Book" panose="020B0503050000020004" pitchFamily="34" charset="0"/>
+                <a:ea typeface="Fira Sans Book" panose="020B0503050000020004" pitchFamily="34" charset="0"/>
+              </a:rPr>
+              <a:t>Subject placement and exercise</a:t>
+            </a:r>
+          </a:p>
+          <a:p>
+            <a:pPr marL="285750" indent="-285750">
+              <a:buFontTx/>
+              <a:buChar char="-"/>
+            </a:pPr>
+            <a:r>
+              <a:rPr lang="en-US" sz="1200" dirty="0">
+                <a:solidFill>
+                  <a:schemeClr val="bg1"/>
+                </a:solidFill>
+                <a:latin typeface="Fira Sans Book" panose="020B0503050000020004" pitchFamily="34" charset="0"/>
+                <a:ea typeface="Fira Sans Book" panose="020B0503050000020004" pitchFamily="34" charset="0"/>
+              </a:rPr>
+              <a:t>Weight-bearing, open MRI scanner in vertical position</a:t>
+            </a:r>
+          </a:p>
+          <a:p>
+            <a:pPr marL="285750" indent="-285750">
+              <a:buFontTx/>
+              <a:buChar char="-"/>
+            </a:pPr>
+            <a:r>
+              <a:rPr lang="en-US" sz="1200" dirty="0">
+                <a:solidFill>
+                  <a:schemeClr val="bg1"/>
+                </a:solidFill>
+                <a:latin typeface="Fira Sans Book" panose="020B0503050000020004" pitchFamily="34" charset="0"/>
+                <a:ea typeface="Fira Sans Book" panose="020B0503050000020004" pitchFamily="34" charset="0"/>
+              </a:rPr>
+              <a:t>Custom MR-compatible plastic rig with hydraulic step to guide knee flexion</a:t>
+            </a:r>
+          </a:p>
+          <a:p>
+            <a:pPr marL="285750" indent="-285750">
+              <a:buFontTx/>
+              <a:buChar char="-"/>
+            </a:pPr>
+            <a:r>
+              <a:rPr lang="en-US" sz="1200" dirty="0">
+                <a:solidFill>
+                  <a:schemeClr val="bg1"/>
+                </a:solidFill>
+                <a:latin typeface="Fira Sans Book" panose="020B0503050000020004" pitchFamily="34" charset="0"/>
+                <a:ea typeface="Fira Sans Book" panose="020B0503050000020004" pitchFamily="34" charset="0"/>
+              </a:rPr>
+              <a:t>Volunteers stood with right leg in scanner, left leg on hydraulic step</a:t>
+            </a:r>
+          </a:p>
+          <a:p>
+            <a:pPr marL="285750" indent="-285750">
+              <a:buFontTx/>
+              <a:buChar char="-"/>
+            </a:pPr>
+            <a:r>
+              <a:rPr lang="en-US" sz="1200" dirty="0">
+                <a:solidFill>
+                  <a:schemeClr val="bg1"/>
+                </a:solidFill>
+                <a:latin typeface="Fira Sans Book" panose="020B0503050000020004" pitchFamily="34" charset="0"/>
+                <a:ea typeface="Fira Sans Book" panose="020B0503050000020004" pitchFamily="34" charset="0"/>
+              </a:rPr>
+              <a:t>Lowering the step caused right leg flexion under body weight</a:t>
+            </a:r>
+          </a:p>
+          <a:p>
+            <a:pPr marL="285750" indent="-285750">
+              <a:buFontTx/>
+              <a:buChar char="-"/>
+            </a:pPr>
+            <a:r>
+              <a:rPr lang="en-US" sz="1200" dirty="0">
+                <a:solidFill>
+                  <a:schemeClr val="bg1"/>
+                </a:solidFill>
+                <a:latin typeface="Fira Sans Book" panose="020B0503050000020004" pitchFamily="34" charset="0"/>
+                <a:ea typeface="Fira Sans Book" panose="020B0503050000020004" pitchFamily="34" charset="0"/>
+              </a:rPr>
+              <a:t>Additional support kept shank fixed while allowing unconstrained knee motion</a:t>
+            </a:r>
+          </a:p>
+          <a:p>
+            <a:pPr marL="285750" indent="-285750">
+              <a:buFontTx/>
+              <a:buChar char="-"/>
+            </a:pPr>
+            <a:r>
+              <a:rPr lang="en-US" sz="1200" dirty="0">
+                <a:solidFill>
+                  <a:schemeClr val="bg1"/>
+                </a:solidFill>
+                <a:latin typeface="Fira Sans Book" panose="020B0503050000020004" pitchFamily="34" charset="0"/>
+                <a:ea typeface="Fira Sans Book" panose="020B0503050000020004" pitchFamily="34" charset="0"/>
+              </a:rPr>
+              <a:t>Three exams performed per volunteer, two identical and one with increased starting flexion angle</a:t>
+            </a:r>
+            <a:endParaRPr lang="en-150" sz="1200" dirty="0" err="1">
+              <a:solidFill>
+                <a:schemeClr val="bg1"/>
+              </a:solidFill>
+              <a:latin typeface="Fira Sans Book" panose="020B0503050000020004" pitchFamily="34" charset="0"/>
+              <a:ea typeface="Fira Sans Book" panose="020B0503050000020004" pitchFamily="34" charset="0"/>
+            </a:endParaRPr>
+          </a:p>
+        </p:txBody>
+      </p:sp>
+      <p:sp>
+        <p:nvSpPr>
+          <p:cNvPr id="3" name="TextBox 2">
+            <a:extLst>
+              <a:ext uri="{FF2B5EF4-FFF2-40B4-BE49-F238E27FC236}">
+                <a16:creationId xmlns:a16="http://schemas.microsoft.com/office/drawing/2014/main" id="{43129143-82AE-D6B5-13B0-3CA0885ECB9D}"/>
+              </a:ext>
+            </a:extLst>
+          </p:cNvPr>
+          <p:cNvSpPr txBox="1"/>
+          <p:nvPr/>
+        </p:nvSpPr>
+        <p:spPr>
+          <a:xfrm>
+            <a:off x="4571195" y="627534"/>
+            <a:ext cx="4307305" cy="1944216"/>
+          </a:xfrm>
+          <a:prstGeom prst="rect">
+            <a:avLst/>
+          </a:prstGeom>
+          <a:noFill/>
+        </p:spPr>
+        <p:txBody>
+          <a:bodyPr wrap="square" rtlCol="0">
+            <a:noAutofit/>
+          </a:bodyPr>
+          <a:lstStyle/>
+          <a:p>
+            <a:r>
+              <a:rPr lang="en-US" u="sng" dirty="0">
+                <a:solidFill>
+                  <a:schemeClr val="bg1"/>
+                </a:solidFill>
+                <a:latin typeface="Fira Sans Book" panose="020B0503050000020004" pitchFamily="34" charset="0"/>
+                <a:ea typeface="Fira Sans Book" panose="020B0503050000020004" pitchFamily="34" charset="0"/>
+              </a:rPr>
+              <a:t>What did they measure?</a:t>
+            </a:r>
+          </a:p>
+          <a:p>
+            <a:pPr marL="285750" indent="-285750">
+              <a:buFontTx/>
+              <a:buChar char="-"/>
+            </a:pPr>
+            <a:r>
+              <a:rPr lang="en-US" sz="1400" dirty="0">
+                <a:solidFill>
+                  <a:schemeClr val="bg1"/>
+                </a:solidFill>
+                <a:latin typeface="Fira Sans Book" panose="020B0503050000020004" pitchFamily="34" charset="0"/>
+                <a:ea typeface="Fira Sans Book" panose="020B0503050000020004" pitchFamily="34" charset="0"/>
+              </a:rPr>
+              <a:t>6 degrees of freedom (DOF) of tibiofemoral kinematics</a:t>
+            </a:r>
+          </a:p>
+          <a:p>
+            <a:pPr marL="285750" indent="-285750">
+              <a:buFontTx/>
+              <a:buChar char="-"/>
+            </a:pPr>
+            <a:r>
+              <a:rPr lang="en-US" sz="1400" dirty="0">
+                <a:solidFill>
+                  <a:schemeClr val="bg1"/>
+                </a:solidFill>
+                <a:latin typeface="Fira Sans Book" panose="020B0503050000020004" pitchFamily="34" charset="0"/>
+                <a:ea typeface="Fira Sans Book" panose="020B0503050000020004" pitchFamily="34" charset="0"/>
+              </a:rPr>
+              <a:t> flexion/extension, abduction/adduction, internal/external rotation, anterior/posterior translation, proximal/distal translation, and medial/lateral translation</a:t>
+            </a:r>
+            <a:endParaRPr lang="en-150" sz="1400" dirty="0" err="1">
+              <a:solidFill>
+                <a:schemeClr val="bg1"/>
+              </a:solidFill>
+              <a:latin typeface="Fira Sans Book" panose="020B0503050000020004" pitchFamily="34" charset="0"/>
+              <a:ea typeface="Fira Sans Book" panose="020B0503050000020004" pitchFamily="34" charset="0"/>
+            </a:endParaRPr>
+          </a:p>
+        </p:txBody>
+      </p:sp>
+      <p:pic>
+        <p:nvPicPr>
+          <p:cNvPr id="6" name="Picture 5">
+            <a:extLst>
+              <a:ext uri="{FF2B5EF4-FFF2-40B4-BE49-F238E27FC236}">
+                <a16:creationId xmlns:a16="http://schemas.microsoft.com/office/drawing/2014/main" id="{CEBE6BCC-7A55-EC79-DCA9-16221451EA7F}"/>
+              </a:ext>
+            </a:extLst>
+          </p:cNvPr>
+          <p:cNvPicPr>
+            <a:picLocks noChangeAspect="1"/>
+          </p:cNvPicPr>
+          <p:nvPr/>
+        </p:nvPicPr>
+        <p:blipFill>
+          <a:blip r:embed="rId2"/>
+          <a:stretch>
+            <a:fillRect/>
+          </a:stretch>
+        </p:blipFill>
+        <p:spPr>
+          <a:xfrm>
+            <a:off x="0" y="627534"/>
+            <a:ext cx="4535494" cy="1933492"/>
+          </a:xfrm>
+          <a:prstGeom prst="rect">
+            <a:avLst/>
+          </a:prstGeom>
+        </p:spPr>
+      </p:pic>
+    </p:spTree>
+    <p:extLst>
+      <p:ext uri="{BB962C8B-B14F-4D97-AF65-F5344CB8AC3E}">
+        <p14:creationId xmlns:p14="http://schemas.microsoft.com/office/powerpoint/2010/main" val="2613445691"/>
+      </p:ext>
+    </p:extLst>
+  </p:cSld>
+  <p:clrMapOvr>
+    <a:masterClrMapping/>
+  </p:clrMapOvr>
+</p:sld>
+</file>
+
+<file path=ppt/slides/slide7.xml><?xml version="1.0" encoding="utf-8"?>
+<p:sld xmlns:a="http://schemas.openxmlformats.org/drawingml/2006/main" xmlns:r="http://schemas.openxmlformats.org/officeDocument/2006/relationships" xmlns:p="http://schemas.openxmlformats.org/presentationml/2006/main">
+  <p:cSld>
+    <p:spTree>
+      <p:nvGrpSpPr>
+        <p:cNvPr id="1" name="">
+          <a:extLst>
+            <a:ext uri="{FF2B5EF4-FFF2-40B4-BE49-F238E27FC236}">
+              <a16:creationId xmlns:a16="http://schemas.microsoft.com/office/drawing/2014/main" id="{D74A1FAE-08D3-876C-2BAB-3D8464F5243A}"/>
+            </a:ext>
+          </a:extLst>
+        </p:cNvPr>
+        <p:cNvGrpSpPr/>
+        <p:nvPr/>
+      </p:nvGrpSpPr>
+      <p:grpSpPr>
+        <a:xfrm>
+          <a:off x="0" y="0"/>
+          <a:ext cx="0" cy="0"/>
+          <a:chOff x="0" y="0"/>
+          <a:chExt cx="0" cy="0"/>
+        </a:xfrm>
+      </p:grpSpPr>
+      <p:sp>
+        <p:nvSpPr>
+          <p:cNvPr id="2" name="Titel 1">
+            <a:extLst>
+              <a:ext uri="{FF2B5EF4-FFF2-40B4-BE49-F238E27FC236}">
+                <a16:creationId xmlns:a16="http://schemas.microsoft.com/office/drawing/2014/main" id="{67597640-5354-EB28-DBF1-1BBB312582D1}"/>
+              </a:ext>
+            </a:extLst>
+          </p:cNvPr>
+          <p:cNvSpPr>
+            <a:spLocks noGrp="1"/>
+          </p:cNvSpPr>
+          <p:nvPr>
+            <p:ph type="title"/>
+          </p:nvPr>
+        </p:nvSpPr>
+        <p:spPr/>
+        <p:txBody>
+          <a:bodyPr/>
+          <a:lstStyle/>
+          <a:p>
+            <a:endParaRPr lang="en-150" dirty="0" err="1">
+              <a:solidFill>
+                <a:schemeClr val="tx1"/>
+              </a:solidFill>
+              <a:latin typeface="Fira Sans Book" panose="020B0503050000020004" pitchFamily="34" charset="0"/>
+              <a:ea typeface="Fira Sans Book" panose="020B0503050000020004" pitchFamily="34" charset="0"/>
+            </a:endParaRPr>
+          </a:p>
+        </p:txBody>
+      </p:sp>
+      <p:sp>
+        <p:nvSpPr>
+          <p:cNvPr id="5" name="Foliennummernplatzhalter 4">
+            <a:extLst>
+              <a:ext uri="{FF2B5EF4-FFF2-40B4-BE49-F238E27FC236}">
+                <a16:creationId xmlns:a16="http://schemas.microsoft.com/office/drawing/2014/main" id="{B6383301-337D-E37C-700B-A13081682DA5}"/>
+              </a:ext>
+            </a:extLst>
+          </p:cNvPr>
+          <p:cNvSpPr>
+            <a:spLocks noGrp="1"/>
+          </p:cNvSpPr>
+          <p:nvPr>
+            <p:ph type="sldNum" sz="quarter" idx="4"/>
+          </p:nvPr>
+        </p:nvSpPr>
+        <p:spPr/>
+        <p:txBody>
+          <a:bodyPr/>
+          <a:lstStyle/>
+          <a:p>
+            <a:fld id="{50B1B3AD-80CD-4C4C-B9E6-D3174EA9BC3B}" type="slidenum">
+              <a:rPr lang="de-DE" smtClean="0"/>
+              <a:pPr/>
+              <a:t>7</a:t>
+            </a:fld>
+            <a:endParaRPr lang="de-DE" dirty="0"/>
+          </a:p>
+        </p:txBody>
+      </p:sp>
+      <p:sp>
+        <p:nvSpPr>
+          <p:cNvPr id="8" name="TextBox 7">
+            <a:extLst>
+              <a:ext uri="{FF2B5EF4-FFF2-40B4-BE49-F238E27FC236}">
+                <a16:creationId xmlns:a16="http://schemas.microsoft.com/office/drawing/2014/main" id="{ADB1EEAD-30F9-D17B-9E76-E27D94CB0CFB}"/>
+              </a:ext>
+            </a:extLst>
+          </p:cNvPr>
+          <p:cNvSpPr txBox="1"/>
+          <p:nvPr/>
+        </p:nvSpPr>
+        <p:spPr>
+          <a:xfrm>
+            <a:off x="4585176" y="756857"/>
+            <a:ext cx="4499992" cy="1814893"/>
+          </a:xfrm>
+          <a:prstGeom prst="rect">
+            <a:avLst/>
+          </a:prstGeom>
+          <a:noFill/>
+        </p:spPr>
+        <p:txBody>
+          <a:bodyPr wrap="square" rtlCol="0">
+            <a:noAutofit/>
+          </a:bodyPr>
+          <a:lstStyle/>
+          <a:p>
+            <a:endParaRPr lang="en-150" dirty="0" err="1">
+              <a:solidFill>
+                <a:schemeClr val="bg1"/>
+              </a:solidFill>
+              <a:latin typeface="Fira Sans Book" panose="020B0503050000020004" pitchFamily="34" charset="0"/>
+              <a:ea typeface="Fira Sans Book" panose="020B0503050000020004" pitchFamily="34" charset="0"/>
+            </a:endParaRPr>
+          </a:p>
+        </p:txBody>
+      </p:sp>
+      <p:sp>
+        <p:nvSpPr>
+          <p:cNvPr id="9" name="TextBox 8">
+            <a:extLst>
+              <a:ext uri="{FF2B5EF4-FFF2-40B4-BE49-F238E27FC236}">
+                <a16:creationId xmlns:a16="http://schemas.microsoft.com/office/drawing/2014/main" id="{27A5798D-5656-1727-68C3-DFAE23C34587}"/>
+              </a:ext>
+            </a:extLst>
+          </p:cNvPr>
+          <p:cNvSpPr txBox="1"/>
+          <p:nvPr/>
+        </p:nvSpPr>
+        <p:spPr>
+          <a:xfrm>
+            <a:off x="17751" y="2552843"/>
+            <a:ext cx="4499992" cy="2583265"/>
+          </a:xfrm>
+          <a:prstGeom prst="rect">
+            <a:avLst/>
+          </a:prstGeom>
+          <a:noFill/>
+        </p:spPr>
+        <p:txBody>
+          <a:bodyPr wrap="square" rtlCol="0">
+            <a:noAutofit/>
+          </a:bodyPr>
+          <a:lstStyle/>
+          <a:p>
+            <a:endParaRPr lang="en-150" u="sng" dirty="0" err="1">
+              <a:solidFill>
+                <a:schemeClr val="bg1"/>
+              </a:solidFill>
+              <a:latin typeface="Fira Sans Book" panose="020B0503050000020004" pitchFamily="34" charset="0"/>
+              <a:ea typeface="Fira Sans Book" panose="020B0503050000020004" pitchFamily="34" charset="0"/>
+            </a:endParaRPr>
+          </a:p>
+        </p:txBody>
+      </p:sp>
+      <p:sp>
+        <p:nvSpPr>
+          <p:cNvPr id="10" name="TextBox 9">
+            <a:extLst>
+              <a:ext uri="{FF2B5EF4-FFF2-40B4-BE49-F238E27FC236}">
+                <a16:creationId xmlns:a16="http://schemas.microsoft.com/office/drawing/2014/main" id="{8F5A767B-C411-2FB0-464A-0D3377A7CAC3}"/>
+              </a:ext>
+            </a:extLst>
+          </p:cNvPr>
+          <p:cNvSpPr txBox="1"/>
+          <p:nvPr/>
+        </p:nvSpPr>
+        <p:spPr>
+          <a:xfrm>
+            <a:off x="4499992" y="2561026"/>
+            <a:ext cx="4499992" cy="2582474"/>
+          </a:xfrm>
+          <a:prstGeom prst="rect">
+            <a:avLst/>
+          </a:prstGeom>
+          <a:noFill/>
+        </p:spPr>
+        <p:txBody>
+          <a:bodyPr wrap="square" rtlCol="0">
+            <a:noAutofit/>
+          </a:bodyPr>
+          <a:lstStyle/>
+          <a:p>
+            <a:endParaRPr lang="en-150" u="sng" dirty="0" err="1">
+              <a:solidFill>
+                <a:schemeClr val="bg1"/>
+              </a:solidFill>
+              <a:latin typeface="Fira Sans Book" panose="020B0503050000020004" pitchFamily="34" charset="0"/>
+              <a:ea typeface="Fira Sans Book" panose="020B0503050000020004" pitchFamily="34" charset="0"/>
+            </a:endParaRPr>
+          </a:p>
+        </p:txBody>
+      </p:sp>
+      <p:sp>
+        <p:nvSpPr>
+          <p:cNvPr id="3" name="TextBox 2">
+            <a:extLst>
+              <a:ext uri="{FF2B5EF4-FFF2-40B4-BE49-F238E27FC236}">
+                <a16:creationId xmlns:a16="http://schemas.microsoft.com/office/drawing/2014/main" id="{7760D818-C3A4-F41F-8294-E8416CE421BA}"/>
+              </a:ext>
+            </a:extLst>
+          </p:cNvPr>
+          <p:cNvSpPr txBox="1"/>
+          <p:nvPr/>
+        </p:nvSpPr>
+        <p:spPr>
+          <a:xfrm>
+            <a:off x="4571195" y="627534"/>
+            <a:ext cx="4307305" cy="1944216"/>
+          </a:xfrm>
+          <a:prstGeom prst="rect">
+            <a:avLst/>
+          </a:prstGeom>
+          <a:noFill/>
+        </p:spPr>
+        <p:txBody>
+          <a:bodyPr wrap="square" rtlCol="0">
+            <a:noAutofit/>
+          </a:bodyPr>
+          <a:lstStyle/>
+          <a:p>
+            <a:endParaRPr lang="en-150" sz="1400" dirty="0" err="1">
+              <a:solidFill>
+                <a:schemeClr val="bg1"/>
+              </a:solidFill>
+              <a:latin typeface="Fira Sans Book" panose="020B0503050000020004" pitchFamily="34" charset="0"/>
+              <a:ea typeface="Fira Sans Book" panose="020B0503050000020004" pitchFamily="34" charset="0"/>
+            </a:endParaRPr>
+          </a:p>
+        </p:txBody>
+      </p:sp>
+    </p:spTree>
+    <p:extLst>
+      <p:ext uri="{BB962C8B-B14F-4D97-AF65-F5344CB8AC3E}">
+        <p14:creationId xmlns:p14="http://schemas.microsoft.com/office/powerpoint/2010/main" val="3199977839"/>
       </p:ext>
     </p:extLst>
   </p:cSld>
